--- a/t1/presentation.pptx
+++ b/t1/presentation.pptx
@@ -109,6 +109,11 @@
       </a:defRPr>
     </a:lvl9pPr>
   </p:defaultTextStyle>
+  <p:extLst>
+    <p:ext uri="{EFAFB233-063F-42B5-8137-9DF3F51BA10A}">
+      <p15:sldGuideLst xmlns:p15="http://schemas.microsoft.com/office/powerpoint/2012/main"/>
+    </p:ext>
+  </p:extLst>
 </p:presentation>
 </file>
 
@@ -308,7 +313,7 @@
           <a:p>
             <a:fld id="{C9F928A4-11F9-4F80-9988-313316B30ED3}" type="datetimeFigureOut">
               <a:rPr lang="pt-BR" smtClean="0"/>
-              <a:t>24/04/2024</a:t>
+              <a:t>07/05/2024</a:t>
             </a:fld>
             <a:endParaRPr lang="pt-BR"/>
           </a:p>
@@ -529,7 +534,7 @@
           <a:p>
             <a:fld id="{C9F928A4-11F9-4F80-9988-313316B30ED3}" type="datetimeFigureOut">
               <a:rPr lang="pt-BR" smtClean="0"/>
-              <a:t>24/04/2024</a:t>
+              <a:t>07/05/2024</a:t>
             </a:fld>
             <a:endParaRPr lang="pt-BR"/>
           </a:p>
@@ -709,7 +714,7 @@
           <a:p>
             <a:fld id="{C9F928A4-11F9-4F80-9988-313316B30ED3}" type="datetimeFigureOut">
               <a:rPr lang="pt-BR" smtClean="0"/>
-              <a:t>24/04/2024</a:t>
+              <a:t>07/05/2024</a:t>
             </a:fld>
             <a:endParaRPr lang="pt-BR"/>
           </a:p>
@@ -879,7 +884,7 @@
           <a:p>
             <a:fld id="{C9F928A4-11F9-4F80-9988-313316B30ED3}" type="datetimeFigureOut">
               <a:rPr lang="pt-BR" smtClean="0"/>
-              <a:t>24/04/2024</a:t>
+              <a:t>07/05/2024</a:t>
             </a:fld>
             <a:endParaRPr lang="pt-BR"/>
           </a:p>
@@ -1130,7 +1135,7 @@
           <a:p>
             <a:fld id="{C9F928A4-11F9-4F80-9988-313316B30ED3}" type="datetimeFigureOut">
               <a:rPr lang="pt-BR" smtClean="0"/>
-              <a:t>24/04/2024</a:t>
+              <a:t>07/05/2024</a:t>
             </a:fld>
             <a:endParaRPr lang="pt-BR"/>
           </a:p>
@@ -1453,7 +1458,7 @@
           <a:p>
             <a:fld id="{C9F928A4-11F9-4F80-9988-313316B30ED3}" type="datetimeFigureOut">
               <a:rPr lang="pt-BR" smtClean="0"/>
-              <a:t>24/04/2024</a:t>
+              <a:t>07/05/2024</a:t>
             </a:fld>
             <a:endParaRPr lang="pt-BR"/>
           </a:p>
@@ -1877,7 +1882,7 @@
           <a:p>
             <a:fld id="{C9F928A4-11F9-4F80-9988-313316B30ED3}" type="datetimeFigureOut">
               <a:rPr lang="pt-BR" smtClean="0"/>
-              <a:t>24/04/2024</a:t>
+              <a:t>07/05/2024</a:t>
             </a:fld>
             <a:endParaRPr lang="pt-BR"/>
           </a:p>
@@ -1995,7 +2000,7 @@
           <a:p>
             <a:fld id="{C9F928A4-11F9-4F80-9988-313316B30ED3}" type="datetimeFigureOut">
               <a:rPr lang="pt-BR" smtClean="0"/>
-              <a:t>24/04/2024</a:t>
+              <a:t>07/05/2024</a:t>
             </a:fld>
             <a:endParaRPr lang="pt-BR"/>
           </a:p>
@@ -2090,7 +2095,7 @@
           <a:p>
             <a:fld id="{C9F928A4-11F9-4F80-9988-313316B30ED3}" type="datetimeFigureOut">
               <a:rPr lang="pt-BR" smtClean="0"/>
-              <a:t>24/04/2024</a:t>
+              <a:t>07/05/2024</a:t>
             </a:fld>
             <a:endParaRPr lang="pt-BR"/>
           </a:p>
@@ -2380,7 +2385,7 @@
           <a:p>
             <a:fld id="{C9F928A4-11F9-4F80-9988-313316B30ED3}" type="datetimeFigureOut">
               <a:rPr lang="pt-BR" smtClean="0"/>
-              <a:t>24/04/2024</a:t>
+              <a:t>07/05/2024</a:t>
             </a:fld>
             <a:endParaRPr lang="pt-BR"/>
           </a:p>
@@ -2652,7 +2657,7 @@
           <a:p>
             <a:fld id="{C9F928A4-11F9-4F80-9988-313316B30ED3}" type="datetimeFigureOut">
               <a:rPr lang="pt-BR" smtClean="0"/>
-              <a:t>24/04/2024</a:t>
+              <a:t>07/05/2024</a:t>
             </a:fld>
             <a:endParaRPr lang="pt-BR"/>
           </a:p>
@@ -2906,7 +2911,7 @@
           <a:p>
             <a:fld id="{C9F928A4-11F9-4F80-9988-313316B30ED3}" type="datetimeFigureOut">
               <a:rPr lang="pt-BR" smtClean="0"/>
-              <a:t>24/04/2024</a:t>
+              <a:t>07/05/2024</a:t>
             </a:fld>
             <a:endParaRPr lang="pt-BR"/>
           </a:p>
@@ -3392,7 +3397,7 @@
           <a:p>
             <a:r>
               <a:rPr lang="pt-BR" sz="4500" dirty="0"/>
-              <a:t>Primeiro trabalho de qualidade de software</a:t>
+              <a:t>trabalho de qualidade de software</a:t>
             </a:r>
           </a:p>
         </p:txBody>
